--- a/webscraping/WWCDC_Beautiful Soup.pptx
+++ b/webscraping/WWCDC_Beautiful Soup.pptx
@@ -13,7 +13,7 @@
     <p:sldId id="258" r:id="rId4"/>
     <p:sldId id="259" r:id="rId5"/>
     <p:sldId id="260" r:id="rId6"/>
-    <p:sldId id="261" r:id="rId7"/>
+    <p:sldId id="262" r:id="rId7"/>
   </p:sldIdLst>
   <p:sldSz cx="9144000" cy="5143500" type="screen16x9"/>
   <p:notesSz cx="6858000" cy="9144000"/>
@@ -964,7 +964,7 @@
         </p:nvSpPr>
         <p:spPr>
           <a:xfrm>
-            <a:off x="381300" y="685800"/>
+            <a:off x="381000" y="685800"/>
             <a:ext cx="6096000" cy="3429000"/>
           </a:xfrm>
           <a:custGeom>
@@ -1252,7 +1252,7 @@
   <p:cSld>
     <p:spTree>
       <p:nvGrpSpPr>
-        <p:cNvPr id="1" name="Shape 83"/>
+        <p:cNvPr id="1" name="Shape 72"/>
         <p:cNvGrpSpPr/>
         <p:nvPr/>
       </p:nvGrpSpPr>
@@ -1266,7 +1266,7 @@
       </p:grpSpPr>
       <p:sp>
         <p:nvSpPr>
-          <p:cNvPr id="84" name="Shape 84"/>
+          <p:cNvPr id="73" name="Shape 73"/>
           <p:cNvSpPr>
             <a:spLocks noGrp="1" noRot="1" noChangeAspect="1"/>
           </p:cNvSpPr>
@@ -1276,7 +1276,7 @@
         </p:nvSpPr>
         <p:spPr>
           <a:xfrm>
-            <a:off x="381300" y="685800"/>
+            <a:off x="381000" y="685800"/>
             <a:ext cx="6096000" cy="3429000"/>
           </a:xfrm>
           <a:custGeom>
@@ -1307,7 +1307,7 @@
       </p:sp>
       <p:sp>
         <p:nvSpPr>
-          <p:cNvPr id="85" name="Shape 85"/>
+          <p:cNvPr id="74" name="Shape 74"/>
           <p:cNvSpPr txBox="1">
             <a:spLocks noGrp="1"/>
           </p:cNvSpPr>
@@ -1339,15 +1339,16 @@
               </a:spcAft>
               <a:buNone/>
             </a:pPr>
-            <a:r>
-              <a:rPr lang="en"/>
-              <a:t>https://www.crummy.com/software/BeautifulSoup/bs4/doc/#making-the-soup</a:t>
-            </a:r>
             <a:endParaRPr/>
           </a:p>
         </p:txBody>
       </p:sp>
     </p:spTree>
+    <p:extLst>
+      <p:ext uri="{BB962C8B-B14F-4D97-AF65-F5344CB8AC3E}">
+        <p14:creationId xmlns:p14="http://schemas.microsoft.com/office/powerpoint/2010/main" val="2397333796"/>
+      </p:ext>
+    </p:extLst>
   </p:cSld>
   <p:clrMapOvr>
     <a:masterClrMapping/>
@@ -7426,10 +7427,18 @@
               <a:buNone/>
             </a:pPr>
             <a:r>
-              <a:rPr lang="en" sz="3600"/>
-              <a:t>Pytho 3: pip3 install beautifulsoup4</a:t>
+              <a:rPr lang="en" sz="3600" dirty="0" err="1"/>
+              <a:t>Pytho</a:t>
             </a:r>
-            <a:endParaRPr sz="3600"/>
+            <a:r>
+              <a:rPr lang="en-US" sz="3600" dirty="0"/>
+              <a:t>n</a:t>
+            </a:r>
+            <a:r>
+              <a:rPr lang="en" sz="3600" dirty="0"/>
+              <a:t> 3: pip3 install beautifulsoup4</a:t>
+            </a:r>
+            <a:endParaRPr sz="3600" dirty="0"/>
           </a:p>
           <a:p>
             <a:pPr marL="0" lvl="0" indent="0">
@@ -7442,10 +7451,10 @@
               <a:buNone/>
             </a:pPr>
             <a:r>
-              <a:rPr lang="en" sz="3600"/>
+              <a:rPr lang="en" sz="3600" dirty="0"/>
               <a:t>Python 2.7: pip install beautifulsoup4</a:t>
             </a:r>
-            <a:endParaRPr sz="3600"/>
+            <a:endParaRPr sz="3600" dirty="0"/>
           </a:p>
           <a:p>
             <a:pPr marL="0" lvl="0" indent="0" algn="l" rtl="0">
@@ -7460,7 +7469,7 @@
               </a:spcAft>
               <a:buNone/>
             </a:pPr>
-            <a:endParaRPr sz="3600"/>
+            <a:endParaRPr sz="3600" dirty="0"/>
           </a:p>
           <a:p>
             <a:pPr marL="0" lvl="0" indent="0" algn="l" rtl="0">
@@ -7476,10 +7485,14 @@
               <a:buNone/>
             </a:pPr>
             <a:r>
-              <a:rPr lang="en" sz="3600"/>
-              <a:t>conda install -c anaconda beautifulsoup4</a:t>
+              <a:rPr lang="en" sz="3600" dirty="0" err="1"/>
+              <a:t>conda</a:t>
             </a:r>
-            <a:endParaRPr sz="3600"/>
+            <a:r>
+              <a:rPr lang="en" sz="3600" dirty="0"/>
+              <a:t> install -c anaconda beautifulsoup4</a:t>
+            </a:r>
+            <a:endParaRPr sz="3600" dirty="0"/>
           </a:p>
         </p:txBody>
       </p:sp>
@@ -7773,7 +7786,7 @@
   <p:cSld>
     <p:spTree>
       <p:nvGrpSpPr>
-        <p:cNvPr id="1" name="Shape 86"/>
+        <p:cNvPr id="1" name="Shape 75"/>
         <p:cNvGrpSpPr/>
         <p:nvPr/>
       </p:nvGrpSpPr>
@@ -7787,7 +7800,7 @@
       </p:grpSpPr>
       <p:sp>
         <p:nvSpPr>
-          <p:cNvPr id="87" name="Shape 87"/>
+          <p:cNvPr id="76" name="Shape 76"/>
           <p:cNvSpPr txBox="1">
             <a:spLocks noGrp="1"/>
           </p:cNvSpPr>
@@ -7797,71 +7810,42 @@
         </p:nvSpPr>
         <p:spPr>
           <a:xfrm>
-            <a:off x="311700" y="391350"/>
-            <a:ext cx="8520600" cy="626100"/>
+            <a:off x="509550" y="1423875"/>
+            <a:ext cx="8124900" cy="1798200"/>
           </a:xfrm>
           <a:prstGeom prst="rect">
             <a:avLst/>
           </a:prstGeom>
         </p:spPr>
         <p:txBody>
-          <a:bodyPr spcFirstLastPara="1" wrap="square" lIns="91425" tIns="91425" rIns="91425" bIns="91425" anchor="t" anchorCtr="0">
+          <a:bodyPr spcFirstLastPara="1" wrap="square" lIns="91425" tIns="91425" rIns="91425" bIns="91425" anchor="ctr" anchorCtr="0">
             <a:noAutofit/>
           </a:bodyPr>
           <a:lstStyle/>
           <a:p>
-            <a:pPr marL="0" lvl="0" indent="0">
-              <a:spcBef>
-                <a:spcPts val="0"/>
-              </a:spcBef>
-              <a:spcAft>
-                <a:spcPts val="0"/>
-              </a:spcAft>
-              <a:buNone/>
-            </a:pPr>
-            <a:endParaRPr/>
-          </a:p>
-        </p:txBody>
-      </p:sp>
-      <p:sp>
-        <p:nvSpPr>
-          <p:cNvPr id="88" name="Shape 88"/>
-          <p:cNvSpPr txBox="1">
-            <a:spLocks noGrp="1"/>
-          </p:cNvSpPr>
-          <p:nvPr>
-            <p:ph type="body" idx="1"/>
-          </p:nvPr>
-        </p:nvSpPr>
-        <p:spPr>
-          <a:xfrm>
-            <a:off x="311700" y="1152475"/>
-            <a:ext cx="8520600" cy="3416400"/>
-          </a:xfrm>
-          <a:prstGeom prst="rect">
-            <a:avLst/>
-          </a:prstGeom>
-        </p:spPr>
-        <p:txBody>
-          <a:bodyPr spcFirstLastPara="1" wrap="square" lIns="91425" tIns="91425" rIns="91425" bIns="91425" anchor="t" anchorCtr="0">
-            <a:noAutofit/>
-          </a:bodyPr>
-          <a:lstStyle/>
-          <a:p>
-            <a:pPr marL="0" lvl="0" indent="0">
-              <a:spcBef>
-                <a:spcPts val="0"/>
-              </a:spcBef>
-              <a:spcAft>
-                <a:spcPts val="1600"/>
-              </a:spcAft>
-              <a:buNone/>
-            </a:pPr>
-            <a:endParaRPr/>
+            <a:pPr lvl="0"/>
+            <a:r>
+              <a:rPr lang="en-US" dirty="0"/>
+              <a:t>https://</a:t>
+            </a:r>
+            <a:r>
+              <a:rPr lang="en-US" dirty="0" err="1"/>
+              <a:t>bit.ly</a:t>
+            </a:r>
+            <a:r>
+              <a:rPr lang="en-US" dirty="0"/>
+              <a:t>/2JCPPAi</a:t>
+            </a:r>
+            <a:endParaRPr dirty="0"/>
           </a:p>
         </p:txBody>
       </p:sp>
     </p:spTree>
+    <p:extLst>
+      <p:ext uri="{BB962C8B-B14F-4D97-AF65-F5344CB8AC3E}">
+        <p14:creationId xmlns:p14="http://schemas.microsoft.com/office/powerpoint/2010/main" val="267100906"/>
+      </p:ext>
+    </p:extLst>
   </p:cSld>
   <p:clrMapOvr>
     <a:masterClrMapping/>

--- a/webscraping/WWCDC_Beautiful Soup.pptx
+++ b/webscraping/WWCDC_Beautiful Soup.pptx
@@ -1172,7 +1172,7 @@
         </p:nvSpPr>
         <p:spPr>
           <a:xfrm>
-            <a:off x="381300" y="685800"/>
+            <a:off x="381000" y="685800"/>
             <a:ext cx="6096000" cy="3429000"/>
           </a:xfrm>
           <a:custGeom>
@@ -7698,10 +7698,18 @@
               <a:buAutoNum type="arabicPeriod"/>
             </a:pPr>
             <a:r>
-              <a:rPr lang="en"/>
-              <a:t>Check the Robots.txt of IMDB</a:t>
+              <a:rPr lang="en" dirty="0"/>
+              <a:t>Check the </a:t>
             </a:r>
-            <a:endParaRPr/>
+            <a:r>
+              <a:rPr lang="en" dirty="0" err="1"/>
+              <a:t>Robots.txt</a:t>
+            </a:r>
+            <a:r>
+              <a:rPr lang="en" dirty="0"/>
+              <a:t> of IMDB</a:t>
+            </a:r>
+            <a:endParaRPr dirty="0"/>
           </a:p>
           <a:p>
             <a:pPr marL="457200" lvl="0" indent="-342900" rtl="0">
@@ -7715,10 +7723,10 @@
               <a:buAutoNum type="arabicPeriod"/>
             </a:pPr>
             <a:r>
-              <a:rPr lang="en"/>
+              <a:rPr lang="en" dirty="0"/>
               <a:t>Save your Python File and import the packages that you need (Beautiful Soup &amp; Requests)</a:t>
             </a:r>
-            <a:endParaRPr/>
+            <a:endParaRPr dirty="0"/>
           </a:p>
           <a:p>
             <a:pPr marL="457200" lvl="0" indent="-342900" rtl="0">
@@ -7732,10 +7740,26 @@
               <a:buAutoNum type="arabicPeriod"/>
             </a:pPr>
             <a:r>
-              <a:rPr lang="en"/>
-              <a:t>Parse the HTML 1 url of IMDB:  Monty Python Holy Grail’s IMDB if no issues seen in Robots.txt of IMDB</a:t>
+              <a:rPr lang="en" dirty="0"/>
+              <a:t>Parse the HTML 1 </a:t>
             </a:r>
-            <a:endParaRPr/>
+            <a:r>
+              <a:rPr lang="en" dirty="0" err="1"/>
+              <a:t>url</a:t>
+            </a:r>
+            <a:r>
+              <a:rPr lang="en" dirty="0"/>
+              <a:t> of IMDB:  Monty Python Holy Grail’s IMDB if no issues seen in </a:t>
+            </a:r>
+            <a:r>
+              <a:rPr lang="en" dirty="0" err="1"/>
+              <a:t>Robots.txt</a:t>
+            </a:r>
+            <a:r>
+              <a:rPr lang="en" dirty="0"/>
+              <a:t> of IMDB</a:t>
+            </a:r>
+            <a:endParaRPr dirty="0"/>
           </a:p>
           <a:p>
             <a:pPr marL="457200" lvl="0" indent="-342900" rtl="0">
@@ -7749,10 +7773,10 @@
               <a:buAutoNum type="arabicPeriod"/>
             </a:pPr>
             <a:r>
-              <a:rPr lang="en"/>
+              <a:rPr lang="en" dirty="0"/>
               <a:t> Let’s web scrape the Title, Content Rating, Description of this movie</a:t>
             </a:r>
-            <a:endParaRPr/>
+            <a:endParaRPr dirty="0"/>
           </a:p>
           <a:p>
             <a:pPr marL="457200" lvl="0" indent="-342900">
@@ -7766,10 +7790,34 @@
               <a:buAutoNum type="arabicPeriod"/>
             </a:pPr>
             <a:r>
-              <a:rPr lang="en"/>
-              <a:t>Let’s create a function to add this information to the key of the ID of this IMDB Page eg: if we put tt0071853 into the function it will return the information in 4 as a dictionary.</a:t>
+              <a:rPr lang="en" dirty="0"/>
+              <a:t>Let’s create a function to add this information to the key of the ID of this IMDB Page </a:t>
             </a:r>
-            <a:endParaRPr/>
+            <a:r>
+              <a:rPr lang="en" dirty="0" err="1"/>
+              <a:t>eg</a:t>
+            </a:r>
+            <a:r>
+              <a:rPr lang="en" dirty="0"/>
+              <a:t>: if we put tt0071853 into the function it will return the information in </a:t>
+            </a:r>
+            <a:r>
+              <a:rPr lang="en-US" dirty="0"/>
+              <a:t>the form</a:t>
+            </a:r>
+            <a:r>
+              <a:rPr lang="en" dirty="0"/>
+              <a:t> </a:t>
+            </a:r>
+            <a:r>
+              <a:rPr lang="en-US" dirty="0"/>
+              <a:t>of a</a:t>
+            </a:r>
+            <a:r>
+              <a:rPr lang="en" dirty="0"/>
+              <a:t> dictionary.</a:t>
+            </a:r>
+            <a:endParaRPr dirty="0"/>
           </a:p>
         </p:txBody>
       </p:sp>

--- a/webscraping/WWCDC_Beautiful Soup.pptx
+++ b/webscraping/WWCDC_Beautiful Soup.pptx
@@ -5,39 +5,41 @@
     <p:sldMasterId id="2147483659" r:id="rId1"/>
   </p:sldMasterIdLst>
   <p:notesMasterIdLst>
-    <p:notesMasterId r:id="rId8"/>
+    <p:notesMasterId r:id="rId10"/>
   </p:notesMasterIdLst>
   <p:sldIdLst>
     <p:sldId id="256" r:id="rId2"/>
-    <p:sldId id="257" r:id="rId3"/>
-    <p:sldId id="258" r:id="rId4"/>
-    <p:sldId id="259" r:id="rId5"/>
-    <p:sldId id="260" r:id="rId6"/>
-    <p:sldId id="262" r:id="rId7"/>
+    <p:sldId id="263" r:id="rId3"/>
+    <p:sldId id="257" r:id="rId4"/>
+    <p:sldId id="258" r:id="rId5"/>
+    <p:sldId id="259" r:id="rId6"/>
+    <p:sldId id="260" r:id="rId7"/>
+    <p:sldId id="264" r:id="rId8"/>
+    <p:sldId id="262" r:id="rId9"/>
   </p:sldIdLst>
   <p:sldSz cx="9144000" cy="5143500" type="screen16x9"/>
   <p:notesSz cx="6858000" cy="9144000"/>
   <p:embeddedFontLst>
     <p:embeddedFont>
-      <p:font typeface="Roboto"/>
-      <p:regular r:id="rId9"/>
-      <p:bold r:id="rId10"/>
-      <p:italic r:id="rId11"/>
-      <p:boldItalic r:id="rId12"/>
+      <p:font typeface="Roboto" panose="02000000000000000000" pitchFamily="2" charset="0"/>
+      <p:regular r:id="rId11"/>
+      <p:bold r:id="rId12"/>
+      <p:italic r:id="rId13"/>
+      <p:boldItalic r:id="rId14"/>
     </p:embeddedFont>
     <p:embeddedFont>
-      <p:font typeface="Playfair Display"/>
-      <p:regular r:id="rId13"/>
-      <p:bold r:id="rId14"/>
-      <p:italic r:id="rId15"/>
-      <p:boldItalic r:id="rId16"/>
+      <p:font typeface="Playfair Display" pitchFamily="2" charset="77"/>
+      <p:regular r:id="rId15"/>
+      <p:bold r:id="rId16"/>
+      <p:italic r:id="rId17"/>
+      <p:boldItalic r:id="rId18"/>
     </p:embeddedFont>
     <p:embeddedFont>
-      <p:font typeface="Lato"/>
-      <p:regular r:id="rId17"/>
-      <p:bold r:id="rId18"/>
-      <p:italic r:id="rId19"/>
-      <p:boldItalic r:id="rId20"/>
+      <p:font typeface="Lato" panose="020F0502020204030203" pitchFamily="34" charset="77"/>
+      <p:regular r:id="rId19"/>
+      <p:bold r:id="rId20"/>
+      <p:italic r:id="rId21"/>
+      <p:boldItalic r:id="rId22"/>
     </p:embeddedFont>
   </p:embeddedFontLst>
   <p:defaultTextStyle>
@@ -836,6 +838,115 @@
   <p:cSld>
     <p:spTree>
       <p:nvGrpSpPr>
+        <p:cNvPr id="1" name="Shape 67"/>
+        <p:cNvGrpSpPr/>
+        <p:nvPr/>
+      </p:nvGrpSpPr>
+      <p:grpSpPr>
+        <a:xfrm>
+          <a:off x="0" y="0"/>
+          <a:ext cx="0" cy="0"/>
+          <a:chOff x="0" y="0"/>
+          <a:chExt cx="0" cy="0"/>
+        </a:xfrm>
+      </p:grpSpPr>
+      <p:sp>
+        <p:nvSpPr>
+          <p:cNvPr id="68" name="Shape 68"/>
+          <p:cNvSpPr>
+            <a:spLocks noGrp="1" noRot="1" noChangeAspect="1"/>
+          </p:cNvSpPr>
+          <p:nvPr>
+            <p:ph type="sldImg" idx="2"/>
+          </p:nvPr>
+        </p:nvSpPr>
+        <p:spPr>
+          <a:xfrm>
+            <a:off x="381000" y="685800"/>
+            <a:ext cx="6096000" cy="3429000"/>
+          </a:xfrm>
+          <a:custGeom>
+            <a:avLst/>
+            <a:gdLst/>
+            <a:ahLst/>
+            <a:cxnLst/>
+            <a:rect l="0" t="0" r="0" b="0"/>
+            <a:pathLst>
+              <a:path w="120000" h="120000" extrusionOk="0">
+                <a:moveTo>
+                  <a:pt x="0" y="0"/>
+                </a:moveTo>
+                <a:lnTo>
+                  <a:pt x="120000" y="0"/>
+                </a:lnTo>
+                <a:lnTo>
+                  <a:pt x="120000" y="120000"/>
+                </a:lnTo>
+                <a:lnTo>
+                  <a:pt x="0" y="120000"/>
+                </a:lnTo>
+                <a:close/>
+              </a:path>
+            </a:pathLst>
+          </a:custGeom>
+        </p:spPr>
+      </p:sp>
+      <p:sp>
+        <p:nvSpPr>
+          <p:cNvPr id="69" name="Shape 69"/>
+          <p:cNvSpPr txBox="1">
+            <a:spLocks noGrp="1"/>
+          </p:cNvSpPr>
+          <p:nvPr>
+            <p:ph type="body" idx="1"/>
+          </p:nvPr>
+        </p:nvSpPr>
+        <p:spPr>
+          <a:xfrm>
+            <a:off x="685800" y="4343400"/>
+            <a:ext cx="5486400" cy="4114800"/>
+          </a:xfrm>
+          <a:prstGeom prst="rect">
+            <a:avLst/>
+          </a:prstGeom>
+        </p:spPr>
+        <p:txBody>
+          <a:bodyPr spcFirstLastPara="1" wrap="square" lIns="91425" tIns="91425" rIns="91425" bIns="91425" anchor="t" anchorCtr="0">
+            <a:noAutofit/>
+          </a:bodyPr>
+          <a:lstStyle/>
+          <a:p>
+            <a:pPr marL="0" lvl="0" indent="0">
+              <a:spcBef>
+                <a:spcPts val="0"/>
+              </a:spcBef>
+              <a:spcAft>
+                <a:spcPts val="0"/>
+              </a:spcAft>
+              <a:buNone/>
+            </a:pPr>
+            <a:endParaRPr/>
+          </a:p>
+        </p:txBody>
+      </p:sp>
+    </p:spTree>
+    <p:extLst>
+      <p:ext uri="{BB962C8B-B14F-4D97-AF65-F5344CB8AC3E}">
+        <p14:creationId xmlns:p14="http://schemas.microsoft.com/office/powerpoint/2010/main" val="3065552180"/>
+      </p:ext>
+    </p:extLst>
+  </p:cSld>
+  <p:clrMapOvr>
+    <a:masterClrMapping/>
+  </p:clrMapOvr>
+</p:notes>
+</file>
+
+<file path=ppt/notesSlides/notesSlide3.xml><?xml version="1.0" encoding="utf-8"?>
+<p:notes xmlns:a="http://schemas.openxmlformats.org/drawingml/2006/main" xmlns:r="http://schemas.openxmlformats.org/officeDocument/2006/relationships" xmlns:p="http://schemas.openxmlformats.org/presentationml/2006/main" showMasterSp="0" showMasterPhAnim="0">
+  <p:cSld>
+    <p:spTree>
+      <p:nvGrpSpPr>
         <p:cNvPr id="1" name="Shape 61"/>
         <p:cNvGrpSpPr/>
         <p:nvPr/>
@@ -935,7 +1046,7 @@
 </p:notes>
 </file>
 
-<file path=ppt/notesSlides/notesSlide3.xml><?xml version="1.0" encoding="utf-8"?>
+<file path=ppt/notesSlides/notesSlide4.xml><?xml version="1.0" encoding="utf-8"?>
 <p:notes xmlns:a="http://schemas.openxmlformats.org/drawingml/2006/main" xmlns:r="http://schemas.openxmlformats.org/officeDocument/2006/relationships" xmlns:p="http://schemas.openxmlformats.org/presentationml/2006/main" showMasterSp="0" showMasterPhAnim="0">
   <p:cSld>
     <p:spTree>
@@ -1039,7 +1150,7 @@
 </p:notes>
 </file>
 
-<file path=ppt/notesSlides/notesSlide4.xml><?xml version="1.0" encoding="utf-8"?>
+<file path=ppt/notesSlides/notesSlide5.xml><?xml version="1.0" encoding="utf-8"?>
 <p:notes xmlns:a="http://schemas.openxmlformats.org/drawingml/2006/main" xmlns:r="http://schemas.openxmlformats.org/officeDocument/2006/relationships" xmlns:p="http://schemas.openxmlformats.org/presentationml/2006/main" showMasterSp="0" showMasterPhAnim="0">
   <p:cSld>
     <p:spTree>
@@ -1143,7 +1254,7 @@
 </p:notes>
 </file>
 
-<file path=ppt/notesSlides/notesSlide5.xml><?xml version="1.0" encoding="utf-8"?>
+<file path=ppt/notesSlides/notesSlide6.xml><?xml version="1.0" encoding="utf-8"?>
 <p:notes xmlns:a="http://schemas.openxmlformats.org/drawingml/2006/main" xmlns:r="http://schemas.openxmlformats.org/officeDocument/2006/relationships" xmlns:p="http://schemas.openxmlformats.org/presentationml/2006/main" showMasterSp="0" showMasterPhAnim="0">
   <p:cSld>
     <p:spTree>
@@ -1247,7 +1358,116 @@
 </p:notes>
 </file>
 
-<file path=ppt/notesSlides/notesSlide6.xml><?xml version="1.0" encoding="utf-8"?>
+<file path=ppt/notesSlides/notesSlide7.xml><?xml version="1.0" encoding="utf-8"?>
+<p:notes xmlns:a="http://schemas.openxmlformats.org/drawingml/2006/main" xmlns:r="http://schemas.openxmlformats.org/officeDocument/2006/relationships" xmlns:p="http://schemas.openxmlformats.org/presentationml/2006/main" showMasterSp="0" showMasterPhAnim="0">
+  <p:cSld>
+    <p:spTree>
+      <p:nvGrpSpPr>
+        <p:cNvPr id="1" name="Shape 72"/>
+        <p:cNvGrpSpPr/>
+        <p:nvPr/>
+      </p:nvGrpSpPr>
+      <p:grpSpPr>
+        <a:xfrm>
+          <a:off x="0" y="0"/>
+          <a:ext cx="0" cy="0"/>
+          <a:chOff x="0" y="0"/>
+          <a:chExt cx="0" cy="0"/>
+        </a:xfrm>
+      </p:grpSpPr>
+      <p:sp>
+        <p:nvSpPr>
+          <p:cNvPr id="73" name="Shape 73"/>
+          <p:cNvSpPr>
+            <a:spLocks noGrp="1" noRot="1" noChangeAspect="1"/>
+          </p:cNvSpPr>
+          <p:nvPr>
+            <p:ph type="sldImg" idx="2"/>
+          </p:nvPr>
+        </p:nvSpPr>
+        <p:spPr>
+          <a:xfrm>
+            <a:off x="381000" y="685800"/>
+            <a:ext cx="6096000" cy="3429000"/>
+          </a:xfrm>
+          <a:custGeom>
+            <a:avLst/>
+            <a:gdLst/>
+            <a:ahLst/>
+            <a:cxnLst/>
+            <a:rect l="0" t="0" r="0" b="0"/>
+            <a:pathLst>
+              <a:path w="120000" h="120000" extrusionOk="0">
+                <a:moveTo>
+                  <a:pt x="0" y="0"/>
+                </a:moveTo>
+                <a:lnTo>
+                  <a:pt x="120000" y="0"/>
+                </a:lnTo>
+                <a:lnTo>
+                  <a:pt x="120000" y="120000"/>
+                </a:lnTo>
+                <a:lnTo>
+                  <a:pt x="0" y="120000"/>
+                </a:lnTo>
+                <a:close/>
+              </a:path>
+            </a:pathLst>
+          </a:custGeom>
+        </p:spPr>
+      </p:sp>
+      <p:sp>
+        <p:nvSpPr>
+          <p:cNvPr id="74" name="Shape 74"/>
+          <p:cNvSpPr txBox="1">
+            <a:spLocks noGrp="1"/>
+          </p:cNvSpPr>
+          <p:nvPr>
+            <p:ph type="body" idx="1"/>
+          </p:nvPr>
+        </p:nvSpPr>
+        <p:spPr>
+          <a:xfrm>
+            <a:off x="685800" y="4343400"/>
+            <a:ext cx="5486400" cy="4114800"/>
+          </a:xfrm>
+          <a:prstGeom prst="rect">
+            <a:avLst/>
+          </a:prstGeom>
+        </p:spPr>
+        <p:txBody>
+          <a:bodyPr spcFirstLastPara="1" wrap="square" lIns="91425" tIns="91425" rIns="91425" bIns="91425" anchor="t" anchorCtr="0">
+            <a:noAutofit/>
+          </a:bodyPr>
+          <a:lstStyle/>
+          <a:p>
+            <a:pPr marL="0" lvl="0" indent="0">
+              <a:spcBef>
+                <a:spcPts val="0"/>
+              </a:spcBef>
+              <a:spcAft>
+                <a:spcPts val="0"/>
+              </a:spcAft>
+              <a:buNone/>
+            </a:pPr>
+            <a:endParaRPr/>
+          </a:p>
+        </p:txBody>
+      </p:sp>
+    </p:spTree>
+    <p:extLst>
+      <p:ext uri="{BB962C8B-B14F-4D97-AF65-F5344CB8AC3E}">
+        <p14:creationId xmlns:p14="http://schemas.microsoft.com/office/powerpoint/2010/main" val="3900026636"/>
+      </p:ext>
+    </p:extLst>
+  </p:cSld>
+  <p:clrMapOvr>
+    <a:masterClrMapping/>
+  </p:clrMapOvr>
+</p:notes>
+</file>
+
+<file path=ppt/notesSlides/notesSlide8.xml><?xml version="1.0" encoding="utf-8"?>
 <p:notes xmlns:a="http://schemas.openxmlformats.org/drawingml/2006/main" xmlns:r="http://schemas.openxmlformats.org/officeDocument/2006/relationships" xmlns:p="http://schemas.openxmlformats.org/presentationml/2006/main" showMasterSp="0" showMasterPhAnim="0">
   <p:cSld>
     <p:spTree>
@@ -7164,6 +7384,246 @@
   <p:cSld>
     <p:spTree>
       <p:nvGrpSpPr>
+        <p:cNvPr id="1" name="Shape 70"/>
+        <p:cNvGrpSpPr/>
+        <p:nvPr/>
+      </p:nvGrpSpPr>
+      <p:grpSpPr>
+        <a:xfrm>
+          <a:off x="0" y="0"/>
+          <a:ext cx="0" cy="0"/>
+          <a:chOff x="0" y="0"/>
+          <a:chExt cx="0" cy="0"/>
+        </a:xfrm>
+      </p:grpSpPr>
+      <p:sp>
+        <p:nvSpPr>
+          <p:cNvPr id="71" name="Shape 71"/>
+          <p:cNvSpPr txBox="1">
+            <a:spLocks noGrp="1"/>
+          </p:cNvSpPr>
+          <p:nvPr>
+            <p:ph type="title"/>
+          </p:nvPr>
+        </p:nvSpPr>
+        <p:spPr>
+          <a:xfrm>
+            <a:off x="187891" y="1261037"/>
+            <a:ext cx="8793600" cy="1798200"/>
+          </a:xfrm>
+          <a:prstGeom prst="rect">
+            <a:avLst/>
+          </a:prstGeom>
+        </p:spPr>
+        <p:txBody>
+          <a:bodyPr spcFirstLastPara="1" wrap="square" lIns="91425" tIns="91425" rIns="91425" bIns="91425" anchor="ctr" anchorCtr="0">
+            <a:noAutofit/>
+          </a:bodyPr>
+          <a:lstStyle/>
+          <a:p>
+            <a:pPr marL="274320" indent="-256032" algn="l">
+              <a:defRPr/>
+            </a:pPr>
+            <a:r>
+              <a:rPr lang="en-US" sz="2800" dirty="0">
+                <a:solidFill>
+                  <a:schemeClr val="bg1"/>
+                </a:solidFill>
+              </a:rPr>
+              <a:t>Women Who Code (</a:t>
+            </a:r>
+            <a:r>
+              <a:rPr lang="en-US" sz="2800" u="sng" dirty="0">
+                <a:solidFill>
+                  <a:schemeClr val="bg1"/>
+                </a:solidFill>
+              </a:rPr>
+              <a:t>WWCode</a:t>
+            </a:r>
+            <a:r>
+              <a:rPr lang="en-US" sz="2800" dirty="0">
+                <a:solidFill>
+                  <a:schemeClr val="bg1"/>
+                </a:solidFill>
+              </a:rPr>
+              <a:t>) is global non-profit </a:t>
+            </a:r>
+            <a:br>
+              <a:rPr lang="en-US" sz="1600" dirty="0">
+                <a:solidFill>
+                  <a:schemeClr val="bg1"/>
+                </a:solidFill>
+              </a:rPr>
+            </a:br>
+            <a:r>
+              <a:rPr lang="en-US" sz="1600" dirty="0">
+                <a:solidFill>
+                  <a:schemeClr val="bg1"/>
+                </a:solidFill>
+              </a:rPr>
+              <a:t>dedicated to inspiring women to excel in technology careers. </a:t>
+            </a:r>
+            <a:br>
+              <a:rPr lang="en-US" sz="1600" dirty="0">
+                <a:solidFill>
+                  <a:schemeClr val="bg1"/>
+                </a:solidFill>
+              </a:rPr>
+            </a:br>
+            <a:br>
+              <a:rPr lang="en-US" sz="1600" dirty="0">
+                <a:solidFill>
+                  <a:schemeClr val="bg1"/>
+                </a:solidFill>
+              </a:rPr>
+            </a:br>
+            <a:r>
+              <a:rPr lang="en-US" sz="1600" dirty="0">
+                <a:solidFill>
+                  <a:schemeClr val="bg1"/>
+                </a:solidFill>
+              </a:rPr>
+              <a:t>We work to support this generation in being and becoming leaders and role models in the tech industry.</a:t>
+            </a:r>
+            <a:br>
+              <a:rPr lang="en-US" sz="1600" dirty="0">
+                <a:solidFill>
+                  <a:schemeClr val="bg1"/>
+                </a:solidFill>
+              </a:rPr>
+            </a:br>
+            <a:br>
+              <a:rPr lang="en-US" sz="1600" dirty="0">
+                <a:solidFill>
+                  <a:schemeClr val="bg1"/>
+                </a:solidFill>
+              </a:rPr>
+            </a:br>
+            <a:r>
+              <a:rPr lang="en-US" sz="1600" dirty="0">
+                <a:solidFill>
+                  <a:schemeClr val="bg1"/>
+                </a:solidFill>
+              </a:rPr>
+              <a:t>We are the DC Chapter!</a:t>
+            </a:r>
+            <a:br>
+              <a:rPr lang="en-US" sz="1600" dirty="0">
+                <a:solidFill>
+                  <a:schemeClr val="bg1"/>
+                </a:solidFill>
+              </a:rPr>
+            </a:br>
+            <a:r>
+              <a:rPr lang="en-US" sz="1600" dirty="0">
+                <a:solidFill>
+                  <a:schemeClr val="bg1"/>
+                </a:solidFill>
+              </a:rPr>
+              <a:t>Volunteer / Donate</a:t>
+            </a:r>
+            <a:br>
+              <a:rPr lang="en-US" sz="1600" dirty="0">
+                <a:solidFill>
+                  <a:schemeClr val="bg1"/>
+                </a:solidFill>
+              </a:rPr>
+            </a:br>
+            <a:r>
+              <a:rPr lang="en-US" sz="1600" dirty="0">
+                <a:solidFill>
+                  <a:schemeClr val="bg1"/>
+                </a:solidFill>
+              </a:rPr>
+              <a:t>Visit our Meetup site</a:t>
+            </a:r>
+            <a:br>
+              <a:rPr lang="en-US" sz="1600" dirty="0">
+                <a:solidFill>
+                  <a:schemeClr val="bg1"/>
+                </a:solidFill>
+              </a:rPr>
+            </a:br>
+            <a:br>
+              <a:rPr lang="en-US" sz="1600" dirty="0">
+                <a:solidFill>
+                  <a:schemeClr val="bg1"/>
+                </a:solidFill>
+              </a:rPr>
+            </a:br>
+            <a:r>
+              <a:rPr lang="en-US" sz="1600" dirty="0">
+                <a:solidFill>
+                  <a:schemeClr val="bg1"/>
+                </a:solidFill>
+              </a:rPr>
+              <a:t>Python Beginners: 1</a:t>
+            </a:r>
+            <a:r>
+              <a:rPr lang="en-US" sz="1600" baseline="30000" dirty="0">
+                <a:solidFill>
+                  <a:schemeClr val="bg1"/>
+                </a:solidFill>
+              </a:rPr>
+              <a:t>st</a:t>
+            </a:r>
+            <a:r>
+              <a:rPr lang="en-US" sz="1600" dirty="0">
+                <a:solidFill>
+                  <a:schemeClr val="bg1"/>
+                </a:solidFill>
+              </a:rPr>
+              <a:t> Wednesday of the Month; Python Lab Night: 3</a:t>
+            </a:r>
+            <a:r>
+              <a:rPr lang="en-US" sz="1600" baseline="30000" dirty="0">
+                <a:solidFill>
+                  <a:schemeClr val="bg1"/>
+                </a:solidFill>
+              </a:rPr>
+              <a:t>rd</a:t>
+            </a:r>
+            <a:r>
+              <a:rPr lang="en-US" sz="1600" dirty="0">
+                <a:solidFill>
+                  <a:schemeClr val="bg1"/>
+                </a:solidFill>
+              </a:rPr>
+              <a:t> Wednesday of the month</a:t>
+            </a:r>
+            <a:br>
+              <a:rPr lang="en-US" sz="1600" dirty="0">
+                <a:solidFill>
+                  <a:schemeClr val="bg1"/>
+                </a:solidFill>
+              </a:rPr>
+            </a:br>
+            <a:endParaRPr sz="1600" dirty="0">
+              <a:solidFill>
+                <a:schemeClr val="bg1"/>
+              </a:solidFill>
+            </a:endParaRPr>
+          </a:p>
+        </p:txBody>
+      </p:sp>
+    </p:spTree>
+    <p:extLst>
+      <p:ext uri="{BB962C8B-B14F-4D97-AF65-F5344CB8AC3E}">
+        <p14:creationId xmlns:p14="http://schemas.microsoft.com/office/powerpoint/2010/main" val="2090664795"/>
+      </p:ext>
+    </p:extLst>
+  </p:cSld>
+  <p:clrMapOvr>
+    <a:masterClrMapping/>
+  </p:clrMapOvr>
+</p:sld>
+</file>
+
+<file path=ppt/slides/slide3.xml><?xml version="1.0" encoding="utf-8"?>
+<p:sld xmlns:a="http://schemas.openxmlformats.org/drawingml/2006/main" xmlns:r="http://schemas.openxmlformats.org/officeDocument/2006/relationships" xmlns:p="http://schemas.openxmlformats.org/presentationml/2006/main">
+  <p:cSld>
+    <p:spTree>
+      <p:nvGrpSpPr>
         <p:cNvPr id="1" name="Shape 64"/>
         <p:cNvGrpSpPr/>
         <p:nvPr/>
@@ -7375,7 +7835,7 @@
 </p:sld>
 </file>
 
-<file path=ppt/slides/slide3.xml><?xml version="1.0" encoding="utf-8"?>
+<file path=ppt/slides/slide4.xml><?xml version="1.0" encoding="utf-8"?>
 <p:sld xmlns:a="http://schemas.openxmlformats.org/drawingml/2006/main" xmlns:r="http://schemas.openxmlformats.org/officeDocument/2006/relationships" xmlns:p="http://schemas.openxmlformats.org/presentationml/2006/main">
   <p:cSld>
     <p:spTree>
@@ -7504,7 +7964,7 @@
 </p:sld>
 </file>
 
-<file path=ppt/slides/slide4.xml><?xml version="1.0" encoding="utf-8"?>
+<file path=ppt/slides/slide5.xml><?xml version="1.0" encoding="utf-8"?>
 <p:sld xmlns:a="http://schemas.openxmlformats.org/drawingml/2006/main" xmlns:r="http://schemas.openxmlformats.org/officeDocument/2006/relationships" xmlns:p="http://schemas.openxmlformats.org/presentationml/2006/main">
   <p:cSld>
     <p:spTree>
@@ -7603,7 +8063,7 @@
 </p:sld>
 </file>
 
-<file path=ppt/slides/slide5.xml><?xml version="1.0" encoding="utf-8"?>
+<file path=ppt/slides/slide6.xml><?xml version="1.0" encoding="utf-8"?>
 <p:sld xmlns:a="http://schemas.openxmlformats.org/drawingml/2006/main" xmlns:r="http://schemas.openxmlformats.org/officeDocument/2006/relationships" xmlns:p="http://schemas.openxmlformats.org/presentationml/2006/main">
   <p:cSld>
     <p:spTree>
@@ -7741,7 +8201,7 @@
             </a:pPr>
             <a:r>
               <a:rPr lang="en" dirty="0"/>
-              <a:t>Parse the HTML 1 </a:t>
+              <a:t>Parse the HTML of 1 </a:t>
             </a:r>
             <a:r>
               <a:rPr lang="en" dirty="0" err="1"/>
@@ -7749,15 +8209,11 @@
             </a:r>
             <a:r>
               <a:rPr lang="en" dirty="0"/>
-              <a:t> of IMDB:  Monty Python Holy Grail’s IMDB if no issues seen in </a:t>
+              <a:t> of IMDB of a movie:  Monty Python Holy Grail’s IMDB</a:t>
             </a:r>
             <a:r>
-              <a:rPr lang="en" dirty="0" err="1"/>
-              <a:t>Robots.txt</a:t>
-            </a:r>
-            <a:r>
-              <a:rPr lang="en" dirty="0"/>
-              <a:t> of IMDB</a:t>
+              <a:rPr lang="en-US" dirty="0"/>
+              <a:t>.</a:t>
             </a:r>
             <a:endParaRPr dirty="0"/>
           </a:p>
@@ -7791,15 +8247,7 @@
             </a:pPr>
             <a:r>
               <a:rPr lang="en" dirty="0"/>
-              <a:t>Let’s create a function to add this information to the key of the ID of this IMDB Page </a:t>
-            </a:r>
-            <a:r>
-              <a:rPr lang="en" dirty="0" err="1"/>
-              <a:t>eg</a:t>
-            </a:r>
-            <a:r>
-              <a:rPr lang="en" dirty="0"/>
-              <a:t>: if we put tt0071853 into the function it will return the information in </a:t>
+              <a:t>Let’s create a function where we pass through an ID of an IMDB movie to add the previous information we web scraped in </a:t>
             </a:r>
             <a:r>
               <a:rPr lang="en-US" dirty="0"/>
@@ -7829,7 +8277,384 @@
 </p:sld>
 </file>
 
-<file path=ppt/slides/slide6.xml><?xml version="1.0" encoding="utf-8"?>
+<file path=ppt/slides/slide7.xml><?xml version="1.0" encoding="utf-8"?>
+<p:sld xmlns:a="http://schemas.openxmlformats.org/drawingml/2006/main" xmlns:r="http://schemas.openxmlformats.org/officeDocument/2006/relationships" xmlns:p="http://schemas.openxmlformats.org/presentationml/2006/main">
+  <p:cSld>
+    <p:spTree>
+      <p:nvGrpSpPr>
+        <p:cNvPr id="1" name="Shape 75"/>
+        <p:cNvGrpSpPr/>
+        <p:nvPr/>
+      </p:nvGrpSpPr>
+      <p:grpSpPr>
+        <a:xfrm>
+          <a:off x="0" y="0"/>
+          <a:ext cx="0" cy="0"/>
+          <a:chOff x="0" y="0"/>
+          <a:chExt cx="0" cy="0"/>
+        </a:xfrm>
+      </p:grpSpPr>
+      <p:sp>
+        <p:nvSpPr>
+          <p:cNvPr id="76" name="Shape 76"/>
+          <p:cNvSpPr txBox="1">
+            <a:spLocks noGrp="1"/>
+          </p:cNvSpPr>
+          <p:nvPr>
+            <p:ph type="title"/>
+          </p:nvPr>
+        </p:nvSpPr>
+        <p:spPr>
+          <a:xfrm>
+            <a:off x="440865" y="306285"/>
+            <a:ext cx="4045200" cy="1683600"/>
+          </a:xfrm>
+          <a:prstGeom prst="rect">
+            <a:avLst/>
+          </a:prstGeom>
+        </p:spPr>
+        <p:txBody>
+          <a:bodyPr spcFirstLastPara="1" wrap="square" lIns="91425" tIns="91425" rIns="91425" bIns="91425" anchor="ctr" anchorCtr="0">
+            <a:noAutofit/>
+          </a:bodyPr>
+          <a:lstStyle/>
+          <a:p>
+            <a:pPr lvl="0"/>
+            <a:r>
+              <a:rPr lang="en-US" dirty="0"/>
+              <a:t>Python Training </a:t>
+            </a:r>
+            <a:br>
+              <a:rPr lang="en-US" dirty="0"/>
+            </a:br>
+            <a:r>
+              <a:rPr lang="en-US" dirty="0"/>
+              <a:t>Resources</a:t>
+            </a:r>
+            <a:endParaRPr dirty="0"/>
+          </a:p>
+        </p:txBody>
+      </p:sp>
+      <p:sp>
+        <p:nvSpPr>
+          <p:cNvPr id="2" name="Subtitle 1">
+            <a:extLst>
+              <a:ext uri="{FF2B5EF4-FFF2-40B4-BE49-F238E27FC236}">
+                <a16:creationId xmlns:a16="http://schemas.microsoft.com/office/drawing/2014/main" id="{6E237EA5-B888-0447-B8CF-09A7ECD81B5F}"/>
+              </a:ext>
+            </a:extLst>
+          </p:cNvPr>
+          <p:cNvSpPr>
+            <a:spLocks noGrp="1"/>
+          </p:cNvSpPr>
+          <p:nvPr>
+            <p:ph type="subTitle" idx="1"/>
+          </p:nvPr>
+        </p:nvSpPr>
+        <p:spPr/>
+        <p:txBody>
+          <a:bodyPr/>
+          <a:lstStyle/>
+          <a:p>
+            <a:pPr marL="18288" indent="0">
+              <a:defRPr/>
+            </a:pPr>
+            <a:r>
+              <a:rPr lang="en-US" sz="2400" dirty="0">
+                <a:solidFill>
+                  <a:schemeClr val="tx1"/>
+                </a:solidFill>
+              </a:rPr>
+              <a:t>In Person:</a:t>
+            </a:r>
+          </a:p>
+          <a:p>
+            <a:pPr marL="274320" indent="-256032">
+              <a:defRPr/>
+            </a:pPr>
+            <a:r>
+              <a:rPr lang="en-US" sz="2400" dirty="0">
+                <a:solidFill>
+                  <a:schemeClr val="tx1"/>
+                </a:solidFill>
+              </a:rPr>
+              <a:t>WWCDC (1</a:t>
+            </a:r>
+            <a:r>
+              <a:rPr lang="en-US" sz="2400" baseline="30000" dirty="0">
+                <a:solidFill>
+                  <a:schemeClr val="tx1"/>
+                </a:solidFill>
+              </a:rPr>
+              <a:t>st</a:t>
+            </a:r>
+            <a:r>
+              <a:rPr lang="en-US" sz="2400" dirty="0">
+                <a:solidFill>
+                  <a:schemeClr val="tx1"/>
+                </a:solidFill>
+              </a:rPr>
+              <a:t> &amp; 3</a:t>
+            </a:r>
+            <a:r>
+              <a:rPr lang="en-US" sz="2400" baseline="30000" dirty="0">
+                <a:solidFill>
+                  <a:schemeClr val="tx1"/>
+                </a:solidFill>
+              </a:rPr>
+              <a:t>rd</a:t>
+            </a:r>
+            <a:r>
+              <a:rPr lang="en-US" sz="2400" dirty="0">
+                <a:solidFill>
+                  <a:schemeClr val="tx1"/>
+                </a:solidFill>
+              </a:rPr>
+              <a:t> wed)</a:t>
+            </a:r>
+          </a:p>
+          <a:p>
+            <a:pPr marL="274320" indent="-256032">
+              <a:defRPr/>
+            </a:pPr>
+            <a:r>
+              <a:rPr lang="en-US" sz="2400" dirty="0">
+                <a:solidFill>
+                  <a:schemeClr val="tx1"/>
+                </a:solidFill>
+              </a:rPr>
+              <a:t>Hear Me Code (Once a Month on Saturdays)</a:t>
+            </a:r>
+          </a:p>
+          <a:p>
+            <a:endParaRPr lang="en-US" dirty="0"/>
+          </a:p>
+        </p:txBody>
+      </p:sp>
+      <p:sp>
+        <p:nvSpPr>
+          <p:cNvPr id="3" name="Text Placeholder 2">
+            <a:extLst>
+              <a:ext uri="{FF2B5EF4-FFF2-40B4-BE49-F238E27FC236}">
+                <a16:creationId xmlns:a16="http://schemas.microsoft.com/office/drawing/2014/main" id="{EF2B835D-B8E8-DF40-AD8E-CF9A74A372FC}"/>
+              </a:ext>
+            </a:extLst>
+          </p:cNvPr>
+          <p:cNvSpPr>
+            <a:spLocks noGrp="1"/>
+          </p:cNvSpPr>
+          <p:nvPr>
+            <p:ph type="body" idx="2"/>
+          </p:nvPr>
+        </p:nvSpPr>
+        <p:spPr/>
+        <p:txBody>
+          <a:bodyPr/>
+          <a:lstStyle/>
+          <a:p>
+            <a:pPr marL="18288" indent="0">
+              <a:buNone/>
+              <a:defRPr/>
+            </a:pPr>
+            <a:r>
+              <a:rPr lang="en-US" dirty="0">
+                <a:solidFill>
+                  <a:schemeClr val="bg1"/>
+                </a:solidFill>
+              </a:rPr>
+              <a:t>ONLINE</a:t>
+            </a:r>
+          </a:p>
+          <a:p>
+            <a:pPr marL="274320" indent="-256032">
+              <a:defRPr/>
+            </a:pPr>
+            <a:r>
+              <a:rPr lang="en-US" dirty="0">
+                <a:solidFill>
+                  <a:schemeClr val="bg1"/>
+                </a:solidFill>
+              </a:rPr>
+              <a:t>Coursera</a:t>
+            </a:r>
+          </a:p>
+          <a:p>
+            <a:pPr marL="274320" indent="-256032">
+              <a:defRPr/>
+            </a:pPr>
+            <a:r>
+              <a:rPr lang="en-US" dirty="0" err="1">
+                <a:solidFill>
+                  <a:schemeClr val="bg1"/>
+                </a:solidFill>
+              </a:rPr>
+              <a:t>HackerRank</a:t>
+            </a:r>
+            <a:endParaRPr lang="en-US" dirty="0">
+              <a:solidFill>
+                <a:schemeClr val="bg1"/>
+              </a:solidFill>
+            </a:endParaRPr>
+          </a:p>
+          <a:p>
+            <a:pPr marL="274320" indent="-256032">
+              <a:defRPr/>
+            </a:pPr>
+            <a:r>
+              <a:rPr lang="en-US" dirty="0" err="1">
+                <a:solidFill>
+                  <a:schemeClr val="bg1"/>
+                </a:solidFill>
+              </a:rPr>
+              <a:t>StackOverflow</a:t>
+            </a:r>
+            <a:endParaRPr lang="en-US" dirty="0">
+              <a:solidFill>
+                <a:schemeClr val="bg1"/>
+              </a:solidFill>
+            </a:endParaRPr>
+          </a:p>
+          <a:p>
+            <a:pPr marL="274320" indent="-256032">
+              <a:defRPr/>
+            </a:pPr>
+            <a:r>
+              <a:rPr lang="en-US" dirty="0">
+                <a:solidFill>
+                  <a:schemeClr val="bg1"/>
+                </a:solidFill>
+              </a:rPr>
+              <a:t>Slack</a:t>
+            </a:r>
+          </a:p>
+          <a:p>
+            <a:pPr marL="274320" indent="-256032">
+              <a:defRPr/>
+            </a:pPr>
+            <a:r>
+              <a:rPr lang="en-US" dirty="0" err="1">
+                <a:solidFill>
+                  <a:schemeClr val="bg1"/>
+                </a:solidFill>
+              </a:rPr>
+              <a:t>CodeCombat</a:t>
+            </a:r>
+            <a:endParaRPr lang="en-US" dirty="0">
+              <a:solidFill>
+                <a:schemeClr val="bg1"/>
+              </a:solidFill>
+            </a:endParaRPr>
+          </a:p>
+          <a:p>
+            <a:pPr marL="274320" indent="-256032">
+              <a:defRPr/>
+            </a:pPr>
+            <a:r>
+              <a:rPr lang="en-US" dirty="0">
+                <a:solidFill>
+                  <a:schemeClr val="bg1"/>
+                </a:solidFill>
+              </a:rPr>
+              <a:t>GitHub</a:t>
+            </a:r>
+          </a:p>
+          <a:p>
+            <a:pPr marL="274320" indent="-256032">
+              <a:defRPr/>
+            </a:pPr>
+            <a:r>
+              <a:rPr lang="en-US" dirty="0">
+                <a:solidFill>
+                  <a:schemeClr val="bg1"/>
+                </a:solidFill>
+              </a:rPr>
+              <a:t>Kaggle</a:t>
+            </a:r>
+          </a:p>
+          <a:p>
+            <a:pPr marL="274320" indent="-256032">
+              <a:defRPr/>
+            </a:pPr>
+            <a:r>
+              <a:rPr lang="en-US" dirty="0">
+                <a:solidFill>
+                  <a:schemeClr val="bg1"/>
+                </a:solidFill>
+              </a:rPr>
+              <a:t>EDX by </a:t>
+            </a:r>
+            <a:r>
+              <a:rPr lang="en-US" dirty="0" err="1">
+                <a:solidFill>
+                  <a:schemeClr val="bg1"/>
+                </a:solidFill>
+              </a:rPr>
+              <a:t>microsoft</a:t>
+            </a:r>
+            <a:endParaRPr lang="en-US" dirty="0">
+              <a:solidFill>
+                <a:schemeClr val="bg1"/>
+              </a:solidFill>
+            </a:endParaRPr>
+          </a:p>
+          <a:p>
+            <a:pPr marL="274320" indent="-256032">
+              <a:defRPr/>
+            </a:pPr>
+            <a:r>
+              <a:rPr lang="en-US" dirty="0">
+                <a:solidFill>
+                  <a:schemeClr val="bg1"/>
+                </a:solidFill>
+              </a:rPr>
+              <a:t>How to Think Like a Computer Scientist - PDF</a:t>
+            </a:r>
+          </a:p>
+          <a:p>
+            <a:pPr marL="274320" indent="-256032">
+              <a:defRPr/>
+            </a:pPr>
+            <a:r>
+              <a:rPr lang="en-US" dirty="0">
+                <a:solidFill>
+                  <a:schemeClr val="bg1"/>
+                </a:solidFill>
+              </a:rPr>
+              <a:t>Learn Python the Hard Way</a:t>
+            </a:r>
+          </a:p>
+          <a:p>
+            <a:pPr marL="274320" indent="-256032">
+              <a:defRPr/>
+            </a:pPr>
+            <a:r>
+              <a:rPr lang="en-US" dirty="0">
+                <a:solidFill>
+                  <a:schemeClr val="bg1"/>
+                </a:solidFill>
+              </a:rPr>
+              <a:t>Data Camp</a:t>
+            </a:r>
+          </a:p>
+          <a:p>
+            <a:endParaRPr lang="en-US" dirty="0"/>
+          </a:p>
+        </p:txBody>
+      </p:sp>
+    </p:spTree>
+    <p:extLst>
+      <p:ext uri="{BB962C8B-B14F-4D97-AF65-F5344CB8AC3E}">
+        <p14:creationId xmlns:p14="http://schemas.microsoft.com/office/powerpoint/2010/main" val="27164514"/>
+      </p:ext>
+    </p:extLst>
+  </p:cSld>
+  <p:clrMapOvr>
+    <a:masterClrMapping/>
+  </p:clrMapOvr>
+</p:sld>
+</file>
+
+<file path=ppt/slides/slide8.xml><?xml version="1.0" encoding="utf-8"?>
 <p:sld xmlns:a="http://schemas.openxmlformats.org/drawingml/2006/main" xmlns:r="http://schemas.openxmlformats.org/officeDocument/2006/relationships" xmlns:p="http://schemas.openxmlformats.org/presentationml/2006/main">
   <p:cSld>
     <p:spTree>

--- a/webscraping/WWCDC_Beautiful Soup.pptx
+++ b/webscraping/WWCDC_Beautiful Soup.pptx
@@ -971,7 +971,7 @@
         </p:nvSpPr>
         <p:spPr>
           <a:xfrm>
-            <a:off x="381300" y="685800"/>
+            <a:off x="381000" y="685800"/>
             <a:ext cx="6096000" cy="3429000"/>
           </a:xfrm>
           <a:custGeom>
@@ -7648,7 +7648,7 @@
         </p:nvSpPr>
         <p:spPr>
           <a:xfrm>
-            <a:off x="311700" y="391350"/>
+            <a:off x="311700" y="0"/>
             <a:ext cx="8520600" cy="626100"/>
           </a:xfrm>
           <a:prstGeom prst="rect">
@@ -7671,10 +7671,10 @@
               <a:buNone/>
             </a:pPr>
             <a:r>
-              <a:rPr lang="en"/>
+              <a:rPr lang="en" dirty="0"/>
               <a:t>Web Scraping</a:t>
             </a:r>
-            <a:endParaRPr/>
+            <a:endParaRPr dirty="0"/>
           </a:p>
         </p:txBody>
       </p:sp>
@@ -7690,7 +7690,7 @@
         </p:nvSpPr>
         <p:spPr>
           <a:xfrm>
-            <a:off x="311700" y="1152475"/>
+            <a:off x="311700" y="626100"/>
             <a:ext cx="8520600" cy="3416400"/>
           </a:xfrm>
           <a:prstGeom prst="rect">
@@ -7713,10 +7713,10 @@
               <a:buNone/>
             </a:pPr>
             <a:r>
-              <a:rPr lang="en"/>
+              <a:rPr lang="en" dirty="0"/>
               <a:t>Extracting information from a website (usually HTML) and parsing it in a readable format (this is called getting soup).</a:t>
             </a:r>
-            <a:endParaRPr/>
+            <a:endParaRPr dirty="0"/>
           </a:p>
           <a:p>
             <a:pPr marL="0" lvl="0" indent="0">
@@ -7729,10 +7729,10 @@
               <a:buNone/>
             </a:pPr>
             <a:r>
-              <a:rPr lang="en"/>
+              <a:rPr lang="en" dirty="0"/>
               <a:t>We will be using a package in the Python Library called Beautiful Soup which parses HTML and XML. </a:t>
             </a:r>
-            <a:endParaRPr/>
+            <a:endParaRPr dirty="0"/>
           </a:p>
           <a:p>
             <a:pPr marL="0" lvl="0" indent="0">
@@ -7745,10 +7745,10 @@
               <a:buNone/>
             </a:pPr>
             <a:r>
-              <a:rPr lang="en"/>
+              <a:rPr lang="en" dirty="0"/>
               <a:t>Some Best Practices:</a:t>
             </a:r>
-            <a:endParaRPr/>
+            <a:endParaRPr dirty="0"/>
           </a:p>
           <a:p>
             <a:pPr marL="457200" lvl="0" indent="-342900" rtl="0">
@@ -7762,10 +7762,18 @@
               <a:buChar char="-"/>
             </a:pPr>
             <a:r>
-              <a:rPr lang="en"/>
-              <a:t>Check the Robots.txt to make sure you can web scrape the website. Look for User Agent: *</a:t>
+              <a:rPr lang="en" dirty="0"/>
+              <a:t>Check the </a:t>
             </a:r>
-            <a:endParaRPr/>
+            <a:r>
+              <a:rPr lang="en" dirty="0" err="1"/>
+              <a:t>Robots.txt</a:t>
+            </a:r>
+            <a:r>
+              <a:rPr lang="en" dirty="0"/>
+              <a:t> to make sure you can web scrape the website. Look for User Agent: *</a:t>
+            </a:r>
+            <a:endParaRPr dirty="0"/>
           </a:p>
           <a:p>
             <a:pPr marL="457200" lvl="0" indent="-342900" rtl="0">
@@ -7779,10 +7787,10 @@
               <a:buChar char="-"/>
             </a:pPr>
             <a:r>
-              <a:rPr lang="en"/>
+              <a:rPr lang="en" dirty="0"/>
               <a:t>Scraping too many pages at once quickly can get your IP blocked</a:t>
             </a:r>
-            <a:endParaRPr/>
+            <a:endParaRPr dirty="0"/>
           </a:p>
           <a:p>
             <a:pPr marL="457200" lvl="0" indent="-342900">
@@ -7796,10 +7804,26 @@
               <a:buChar char="-"/>
             </a:pPr>
             <a:r>
-              <a:rPr lang="en"/>
+              <a:rPr lang="en" dirty="0"/>
               <a:t>Use a  browser developer tool to determine the classes of objects (in Chrome you select Inspect) </a:t>
             </a:r>
-            <a:endParaRPr/>
+          </a:p>
+          <a:p>
+            <a:pPr marL="457200" lvl="0" indent="-342900">
+              <a:spcBef>
+                <a:spcPts val="0"/>
+              </a:spcBef>
+              <a:spcAft>
+                <a:spcPts val="0"/>
+              </a:spcAft>
+              <a:buSzPts val="1800"/>
+              <a:buChar char="-"/>
+            </a:pPr>
+            <a:r>
+              <a:rPr lang="en" dirty="0"/>
+              <a:t>Use an LXML parser which is faster than HTML parser</a:t>
+            </a:r>
+            <a:endParaRPr dirty="0"/>
           </a:p>
           <a:p>
             <a:pPr marL="0" lvl="0" indent="0">
@@ -7811,7 +7835,7 @@
               </a:spcAft>
               <a:buNone/>
             </a:pPr>
-            <a:endParaRPr/>
+            <a:endParaRPr dirty="0"/>
           </a:p>
           <a:p>
             <a:pPr marL="0" lvl="0" indent="0">
@@ -7823,7 +7847,7 @@
               </a:spcAft>
               <a:buNone/>
             </a:pPr>
-            <a:endParaRPr/>
+            <a:endParaRPr dirty="0"/>
           </a:p>
         </p:txBody>
       </p:sp>
@@ -7864,7 +7888,7 @@
         </p:nvSpPr>
         <p:spPr>
           <a:xfrm>
-            <a:off x="509550" y="1423875"/>
+            <a:off x="350400" y="584631"/>
             <a:ext cx="8793600" cy="1798200"/>
           </a:xfrm>
           <a:prstGeom prst="rect">
@@ -7886,6 +7910,13 @@
               </a:spcAft>
               <a:buNone/>
             </a:pPr>
+            <a:r>
+              <a:rPr lang="en" sz="3600" dirty="0"/>
+              <a:t>Packages</a:t>
+            </a:r>
+            <a:br>
+              <a:rPr lang="en" sz="3600" dirty="0"/>
+            </a:br>
             <a:r>
               <a:rPr lang="en" sz="3600" dirty="0" err="1"/>
               <a:t>Pytho</a:t>
@@ -7917,22 +7948,7 @@
             <a:endParaRPr sz="3600" dirty="0"/>
           </a:p>
           <a:p>
-            <a:pPr marL="0" lvl="0" indent="0" algn="l" rtl="0">
-              <a:lnSpc>
-                <a:spcPct val="115000"/>
-              </a:lnSpc>
-              <a:spcBef>
-                <a:spcPts val="0"/>
-              </a:spcBef>
-              <a:spcAft>
-                <a:spcPts val="0"/>
-              </a:spcAft>
-              <a:buNone/>
-            </a:pPr>
-            <a:endParaRPr sz="3600" dirty="0"/>
-          </a:p>
-          <a:p>
-            <a:pPr marL="0" lvl="0" indent="0" algn="l" rtl="0">
+            <a:pPr marL="0" lvl="0" indent="0" rtl="0">
               <a:lnSpc>
                 <a:spcPct val="115000"/>
               </a:lnSpc>
@@ -7952,7 +7968,344 @@
               <a:rPr lang="en" sz="3600" dirty="0"/>
               <a:t> install -c anaconda beautifulsoup4</a:t>
             </a:r>
+            <a:br>
+              <a:rPr lang="en" sz="3600" dirty="0"/>
+            </a:br>
+            <a:r>
+              <a:rPr lang="en" sz="3600" dirty="0"/>
+              <a:t>	</a:t>
+            </a:r>
             <a:endParaRPr sz="3600" dirty="0"/>
+          </a:p>
+        </p:txBody>
+      </p:sp>
+      <p:sp>
+        <p:nvSpPr>
+          <p:cNvPr id="3" name="Shape 71">
+            <a:extLst>
+              <a:ext uri="{FF2B5EF4-FFF2-40B4-BE49-F238E27FC236}">
+                <a16:creationId xmlns:a16="http://schemas.microsoft.com/office/drawing/2014/main" id="{479695E4-8474-A540-98EE-98C7CE94C39F}"/>
+              </a:ext>
+            </a:extLst>
+          </p:cNvPr>
+          <p:cNvSpPr txBox="1">
+            <a:spLocks/>
+          </p:cNvSpPr>
+          <p:nvPr/>
+        </p:nvSpPr>
+        <p:spPr>
+          <a:xfrm>
+            <a:off x="350400" y="3217186"/>
+            <a:ext cx="8793600" cy="1798200"/>
+          </a:xfrm>
+          <a:prstGeom prst="rect">
+            <a:avLst/>
+          </a:prstGeom>
+          <a:noFill/>
+          <a:ln>
+            <a:noFill/>
+          </a:ln>
+        </p:spPr>
+        <p:txBody>
+          <a:bodyPr spcFirstLastPara="1" wrap="square" lIns="91425" tIns="91425" rIns="91425" bIns="91425" anchor="ctr" anchorCtr="0">
+            <a:noAutofit/>
+          </a:bodyPr>
+          <a:lstStyle>
+            <a:defPPr marR="0" lvl="0" algn="l" rtl="0">
+              <a:lnSpc>
+                <a:spcPct val="100000"/>
+              </a:lnSpc>
+              <a:spcBef>
+                <a:spcPts val="0"/>
+              </a:spcBef>
+              <a:spcAft>
+                <a:spcPts val="0"/>
+              </a:spcAft>
+            </a:defPPr>
+            <a:lvl1pPr marR="0" lvl="0" algn="ctr" rtl="0">
+              <a:lnSpc>
+                <a:spcPct val="100000"/>
+              </a:lnSpc>
+              <a:spcBef>
+                <a:spcPts val="0"/>
+              </a:spcBef>
+              <a:spcAft>
+                <a:spcPts val="0"/>
+              </a:spcAft>
+              <a:buClr>
+                <a:schemeClr val="lt1"/>
+              </a:buClr>
+              <a:buSzPts val="4800"/>
+              <a:buFont typeface="Lato"/>
+              <a:buNone/>
+              <a:defRPr sz="4800" b="0" i="0" u="none" strike="noStrike" cap="none">
+                <a:solidFill>
+                  <a:schemeClr val="lt1"/>
+                </a:solidFill>
+                <a:latin typeface="Lato"/>
+                <a:ea typeface="Lato"/>
+                <a:cs typeface="Lato"/>
+                <a:sym typeface="Lato"/>
+              </a:defRPr>
+            </a:lvl1pPr>
+            <a:lvl2pPr marR="0" lvl="1" algn="ctr" rtl="0">
+              <a:lnSpc>
+                <a:spcPct val="100000"/>
+              </a:lnSpc>
+              <a:spcBef>
+                <a:spcPts val="0"/>
+              </a:spcBef>
+              <a:spcAft>
+                <a:spcPts val="0"/>
+              </a:spcAft>
+              <a:buClr>
+                <a:schemeClr val="lt1"/>
+              </a:buClr>
+              <a:buSzPts val="4800"/>
+              <a:buFont typeface="Lato"/>
+              <a:buNone/>
+              <a:defRPr sz="4800" b="0" i="0" u="none" strike="noStrike" cap="none">
+                <a:solidFill>
+                  <a:schemeClr val="lt1"/>
+                </a:solidFill>
+                <a:latin typeface="Lato"/>
+                <a:ea typeface="Lato"/>
+                <a:cs typeface="Lato"/>
+                <a:sym typeface="Lato"/>
+              </a:defRPr>
+            </a:lvl2pPr>
+            <a:lvl3pPr marR="0" lvl="2" algn="ctr" rtl="0">
+              <a:lnSpc>
+                <a:spcPct val="100000"/>
+              </a:lnSpc>
+              <a:spcBef>
+                <a:spcPts val="0"/>
+              </a:spcBef>
+              <a:spcAft>
+                <a:spcPts val="0"/>
+              </a:spcAft>
+              <a:buClr>
+                <a:schemeClr val="lt1"/>
+              </a:buClr>
+              <a:buSzPts val="4800"/>
+              <a:buFont typeface="Lato"/>
+              <a:buNone/>
+              <a:defRPr sz="4800" b="0" i="0" u="none" strike="noStrike" cap="none">
+                <a:solidFill>
+                  <a:schemeClr val="lt1"/>
+                </a:solidFill>
+                <a:latin typeface="Lato"/>
+                <a:ea typeface="Lato"/>
+                <a:cs typeface="Lato"/>
+                <a:sym typeface="Lato"/>
+              </a:defRPr>
+            </a:lvl3pPr>
+            <a:lvl4pPr marR="0" lvl="3" algn="ctr" rtl="0">
+              <a:lnSpc>
+                <a:spcPct val="100000"/>
+              </a:lnSpc>
+              <a:spcBef>
+                <a:spcPts val="0"/>
+              </a:spcBef>
+              <a:spcAft>
+                <a:spcPts val="0"/>
+              </a:spcAft>
+              <a:buClr>
+                <a:schemeClr val="lt1"/>
+              </a:buClr>
+              <a:buSzPts val="4800"/>
+              <a:buFont typeface="Lato"/>
+              <a:buNone/>
+              <a:defRPr sz="4800" b="0" i="0" u="none" strike="noStrike" cap="none">
+                <a:solidFill>
+                  <a:schemeClr val="lt1"/>
+                </a:solidFill>
+                <a:latin typeface="Lato"/>
+                <a:ea typeface="Lato"/>
+                <a:cs typeface="Lato"/>
+                <a:sym typeface="Lato"/>
+              </a:defRPr>
+            </a:lvl4pPr>
+            <a:lvl5pPr marR="0" lvl="4" algn="ctr" rtl="0">
+              <a:lnSpc>
+                <a:spcPct val="100000"/>
+              </a:lnSpc>
+              <a:spcBef>
+                <a:spcPts val="0"/>
+              </a:spcBef>
+              <a:spcAft>
+                <a:spcPts val="0"/>
+              </a:spcAft>
+              <a:buClr>
+                <a:schemeClr val="lt1"/>
+              </a:buClr>
+              <a:buSzPts val="4800"/>
+              <a:buFont typeface="Lato"/>
+              <a:buNone/>
+              <a:defRPr sz="4800" b="0" i="0" u="none" strike="noStrike" cap="none">
+                <a:solidFill>
+                  <a:schemeClr val="lt1"/>
+                </a:solidFill>
+                <a:latin typeface="Lato"/>
+                <a:ea typeface="Lato"/>
+                <a:cs typeface="Lato"/>
+                <a:sym typeface="Lato"/>
+              </a:defRPr>
+            </a:lvl5pPr>
+            <a:lvl6pPr marR="0" lvl="5" algn="ctr" rtl="0">
+              <a:lnSpc>
+                <a:spcPct val="100000"/>
+              </a:lnSpc>
+              <a:spcBef>
+                <a:spcPts val="0"/>
+              </a:spcBef>
+              <a:spcAft>
+                <a:spcPts val="0"/>
+              </a:spcAft>
+              <a:buClr>
+                <a:schemeClr val="lt1"/>
+              </a:buClr>
+              <a:buSzPts val="4800"/>
+              <a:buFont typeface="Lato"/>
+              <a:buNone/>
+              <a:defRPr sz="4800" b="0" i="0" u="none" strike="noStrike" cap="none">
+                <a:solidFill>
+                  <a:schemeClr val="lt1"/>
+                </a:solidFill>
+                <a:latin typeface="Lato"/>
+                <a:ea typeface="Lato"/>
+                <a:cs typeface="Lato"/>
+                <a:sym typeface="Lato"/>
+              </a:defRPr>
+            </a:lvl6pPr>
+            <a:lvl7pPr marR="0" lvl="6" algn="ctr" rtl="0">
+              <a:lnSpc>
+                <a:spcPct val="100000"/>
+              </a:lnSpc>
+              <a:spcBef>
+                <a:spcPts val="0"/>
+              </a:spcBef>
+              <a:spcAft>
+                <a:spcPts val="0"/>
+              </a:spcAft>
+              <a:buClr>
+                <a:schemeClr val="lt1"/>
+              </a:buClr>
+              <a:buSzPts val="4800"/>
+              <a:buFont typeface="Lato"/>
+              <a:buNone/>
+              <a:defRPr sz="4800" b="0" i="0" u="none" strike="noStrike" cap="none">
+                <a:solidFill>
+                  <a:schemeClr val="lt1"/>
+                </a:solidFill>
+                <a:latin typeface="Lato"/>
+                <a:ea typeface="Lato"/>
+                <a:cs typeface="Lato"/>
+                <a:sym typeface="Lato"/>
+              </a:defRPr>
+            </a:lvl7pPr>
+            <a:lvl8pPr marR="0" lvl="7" algn="ctr" rtl="0">
+              <a:lnSpc>
+                <a:spcPct val="100000"/>
+              </a:lnSpc>
+              <a:spcBef>
+                <a:spcPts val="0"/>
+              </a:spcBef>
+              <a:spcAft>
+                <a:spcPts val="0"/>
+              </a:spcAft>
+              <a:buClr>
+                <a:schemeClr val="lt1"/>
+              </a:buClr>
+              <a:buSzPts val="4800"/>
+              <a:buFont typeface="Lato"/>
+              <a:buNone/>
+              <a:defRPr sz="4800" b="0" i="0" u="none" strike="noStrike" cap="none">
+                <a:solidFill>
+                  <a:schemeClr val="lt1"/>
+                </a:solidFill>
+                <a:latin typeface="Lato"/>
+                <a:ea typeface="Lato"/>
+                <a:cs typeface="Lato"/>
+                <a:sym typeface="Lato"/>
+              </a:defRPr>
+            </a:lvl8pPr>
+            <a:lvl9pPr marR="0" lvl="8" algn="ctr" rtl="0">
+              <a:lnSpc>
+                <a:spcPct val="100000"/>
+              </a:lnSpc>
+              <a:spcBef>
+                <a:spcPts val="0"/>
+              </a:spcBef>
+              <a:spcAft>
+                <a:spcPts val="0"/>
+              </a:spcAft>
+              <a:buClr>
+                <a:schemeClr val="lt1"/>
+              </a:buClr>
+              <a:buSzPts val="4800"/>
+              <a:buFont typeface="Lato"/>
+              <a:buNone/>
+              <a:defRPr sz="4800" b="0" i="0" u="none" strike="noStrike" cap="none">
+                <a:solidFill>
+                  <a:schemeClr val="lt1"/>
+                </a:solidFill>
+                <a:latin typeface="Lato"/>
+                <a:ea typeface="Lato"/>
+                <a:cs typeface="Lato"/>
+                <a:sym typeface="Lato"/>
+              </a:defRPr>
+            </a:lvl9pPr>
+          </a:lstStyle>
+          <a:p>
+            <a:r>
+              <a:rPr lang="en-US" sz="3600" dirty="0"/>
+              <a:t>Dependencies</a:t>
+            </a:r>
+          </a:p>
+          <a:p>
+            <a:pPr marL="571500" indent="-571500">
+              <a:buFontTx/>
+              <a:buChar char="-"/>
+            </a:pPr>
+            <a:r>
+              <a:rPr lang="en-US" sz="3600" dirty="0"/>
+              <a:t>Install pip</a:t>
+            </a:r>
+          </a:p>
+          <a:p>
+            <a:pPr marL="571500" indent="-571500">
+              <a:buFontTx/>
+              <a:buChar char="-"/>
+            </a:pPr>
+            <a:r>
+              <a:rPr lang="en-US" sz="3600" dirty="0"/>
+              <a:t>Install </a:t>
+            </a:r>
+            <a:r>
+              <a:rPr lang="en-US" sz="3600" dirty="0" err="1"/>
+              <a:t>lxml</a:t>
+            </a:r>
+            <a:endParaRPr lang="en-US" sz="3600" dirty="0"/>
+          </a:p>
+          <a:p>
+            <a:pPr marL="571500" indent="-571500">
+              <a:buFontTx/>
+              <a:buChar char="-"/>
+            </a:pPr>
+            <a:r>
+              <a:rPr lang="en-US" sz="3600" dirty="0"/>
+              <a:t>Install requests</a:t>
+            </a:r>
+          </a:p>
+          <a:p>
+            <a:br>
+              <a:rPr lang="en-US" sz="3600" dirty="0"/>
+            </a:br>
+            <a:r>
+              <a:rPr lang="en-US" sz="3600" dirty="0"/>
+              <a:t>	</a:t>
+            </a:r>
           </a:p>
         </p:txBody>
       </p:sp>
